--- a/system_diagram.pptx
+++ b/system_diagram.pptx
@@ -108,6 +108,11 @@
       </a:defRPr>
     </a:lvl9pPr>
   </p:defaultTextStyle>
+  <p:extLst>
+    <p:ext uri="{EFAFB233-063F-42B5-8137-9DF3F51BA10A}">
+      <p15:sldGuideLst xmlns:p15="http://schemas.microsoft.com/office/powerpoint/2012/main"/>
+    </p:ext>
+  </p:extLst>
 </p:presentation>
 </file>
 
@@ -193,7 +198,7 @@
           <a:p>
             <a:fld id="{6767594F-C247-EA43-95BD-49CA62110413}" type="datetimeFigureOut">
               <a:rPr lang="fr-FR" smtClean="0"/>
-              <a:t>05/12/2018</a:t>
+              <a:t>06/12/2018</a:t>
             </a:fld>
             <a:endParaRPr lang="fr-FR"/>
           </a:p>
@@ -1440,7 +1445,7 @@
           <a:p>
             <a:fld id="{4C09E28D-ED3F-C74E-8FD3-00660C2F802D}" type="datetimeFigureOut">
               <a:rPr lang="fr-FR" smtClean="0"/>
-              <a:t>05/12/2018</a:t>
+              <a:t>06/12/2018</a:t>
             </a:fld>
             <a:endParaRPr lang="fr-FR"/>
           </a:p>
@@ -1640,7 +1645,7 @@
           <a:p>
             <a:fld id="{4C09E28D-ED3F-C74E-8FD3-00660C2F802D}" type="datetimeFigureOut">
               <a:rPr lang="fr-FR" smtClean="0"/>
-              <a:t>05/12/2018</a:t>
+              <a:t>06/12/2018</a:t>
             </a:fld>
             <a:endParaRPr lang="fr-FR"/>
           </a:p>
@@ -1850,7 +1855,7 @@
           <a:p>
             <a:fld id="{4C09E28D-ED3F-C74E-8FD3-00660C2F802D}" type="datetimeFigureOut">
               <a:rPr lang="fr-FR" smtClean="0"/>
-              <a:t>05/12/2018</a:t>
+              <a:t>06/12/2018</a:t>
             </a:fld>
             <a:endParaRPr lang="fr-FR"/>
           </a:p>
@@ -2080,7 +2085,7 @@
           <a:p>
             <a:fld id="{4C09E28D-ED3F-C74E-8FD3-00660C2F802D}" type="datetimeFigureOut">
               <a:rPr lang="fr-FR" smtClean="0"/>
-              <a:t>05/12/2018</a:t>
+              <a:t>06/12/2018</a:t>
             </a:fld>
             <a:endParaRPr lang="fr-FR"/>
           </a:p>
@@ -2356,7 +2361,7 @@
           <a:p>
             <a:fld id="{4C09E28D-ED3F-C74E-8FD3-00660C2F802D}" type="datetimeFigureOut">
               <a:rPr lang="fr-FR" smtClean="0"/>
-              <a:t>05/12/2018</a:t>
+              <a:t>06/12/2018</a:t>
             </a:fld>
             <a:endParaRPr lang="fr-FR"/>
           </a:p>
@@ -2624,7 +2629,7 @@
           <a:p>
             <a:fld id="{4C09E28D-ED3F-C74E-8FD3-00660C2F802D}" type="datetimeFigureOut">
               <a:rPr lang="fr-FR" smtClean="0"/>
-              <a:t>05/12/2018</a:t>
+              <a:t>06/12/2018</a:t>
             </a:fld>
             <a:endParaRPr lang="fr-FR"/>
           </a:p>
@@ -3039,7 +3044,7 @@
           <a:p>
             <a:fld id="{4C09E28D-ED3F-C74E-8FD3-00660C2F802D}" type="datetimeFigureOut">
               <a:rPr lang="fr-FR" smtClean="0"/>
-              <a:t>05/12/2018</a:t>
+              <a:t>06/12/2018</a:t>
             </a:fld>
             <a:endParaRPr lang="fr-FR"/>
           </a:p>
@@ -3181,7 +3186,7 @@
           <a:p>
             <a:fld id="{4C09E28D-ED3F-C74E-8FD3-00660C2F802D}" type="datetimeFigureOut">
               <a:rPr lang="fr-FR" smtClean="0"/>
-              <a:t>05/12/2018</a:t>
+              <a:t>06/12/2018</a:t>
             </a:fld>
             <a:endParaRPr lang="fr-FR"/>
           </a:p>
@@ -3294,7 +3299,7 @@
           <a:p>
             <a:fld id="{4C09E28D-ED3F-C74E-8FD3-00660C2F802D}" type="datetimeFigureOut">
               <a:rPr lang="fr-FR" smtClean="0"/>
-              <a:t>05/12/2018</a:t>
+              <a:t>06/12/2018</a:t>
             </a:fld>
             <a:endParaRPr lang="fr-FR"/>
           </a:p>
@@ -3607,7 +3612,7 @@
           <a:p>
             <a:fld id="{4C09E28D-ED3F-C74E-8FD3-00660C2F802D}" type="datetimeFigureOut">
               <a:rPr lang="fr-FR" smtClean="0"/>
-              <a:t>05/12/2018</a:t>
+              <a:t>06/12/2018</a:t>
             </a:fld>
             <a:endParaRPr lang="fr-FR"/>
           </a:p>
@@ -3896,7 +3901,7 @@
           <a:p>
             <a:fld id="{4C09E28D-ED3F-C74E-8FD3-00660C2F802D}" type="datetimeFigureOut">
               <a:rPr lang="fr-FR" smtClean="0"/>
-              <a:t>05/12/2018</a:t>
+              <a:t>06/12/2018</a:t>
             </a:fld>
             <a:endParaRPr lang="fr-FR"/>
           </a:p>
@@ -4139,7 +4144,7 @@
           <a:p>
             <a:fld id="{4C09E28D-ED3F-C74E-8FD3-00660C2F802D}" type="datetimeFigureOut">
               <a:rPr lang="fr-FR" smtClean="0"/>
-              <a:t>05/12/2018</a:t>
+              <a:t>06/12/2018</a:t>
             </a:fld>
             <a:endParaRPr lang="fr-FR"/>
           </a:p>
@@ -8840,8 +8845,8 @@
         </p:nvGrpSpPr>
         <p:grpSpPr>
           <a:xfrm>
-            <a:off x="8534990" y="2605120"/>
-            <a:ext cx="1405303" cy="944954"/>
+            <a:off x="8534991" y="2605120"/>
+            <a:ext cx="1201532" cy="944954"/>
             <a:chOff x="2178036" y="1054763"/>
             <a:chExt cx="580689" cy="493052"/>
           </a:xfrm>
@@ -8924,7 +8929,7 @@
           <p:spPr>
             <a:xfrm>
               <a:off x="2178036" y="1054763"/>
-              <a:ext cx="303115" cy="128881"/>
+              <a:ext cx="389753" cy="128881"/>
             </a:xfrm>
             <a:prstGeom prst="rect">
               <a:avLst/>
@@ -10446,6 +10451,172 @@
             <a:ext cx="1899010" cy="141437"/>
           </a:xfrm>
           <a:prstGeom prst="bentConnector2">
+            <a:avLst/>
+          </a:prstGeom>
+          <a:noFill/>
+          <a:ln w="9525" cap="flat" cmpd="sng">
+            <a:solidFill>
+              <a:srgbClr val="3A7DF0"/>
+            </a:solidFill>
+            <a:prstDash val="solid"/>
+            <a:round/>
+            <a:headEnd type="none" w="med" len="med"/>
+            <a:tailEnd type="triangle" w="med" len="med"/>
+          </a:ln>
+        </p:spPr>
+      </p:cxnSp>
+      <p:sp>
+        <p:nvSpPr>
+          <p:cNvPr id="61" name="Shape 1379">
+            <a:extLst>
+              <a:ext uri="{FF2B5EF4-FFF2-40B4-BE49-F238E27FC236}">
+                <a16:creationId xmlns:a16="http://schemas.microsoft.com/office/drawing/2014/main" id="{8237C490-D584-9E4C-8EE6-A3EFED038FDD}"/>
+              </a:ext>
+            </a:extLst>
+          </p:cNvPr>
+          <p:cNvSpPr/>
+          <p:nvPr/>
+        </p:nvSpPr>
+        <p:spPr>
+          <a:xfrm>
+            <a:off x="9882909" y="3046688"/>
+            <a:ext cx="885691" cy="382226"/>
+          </a:xfrm>
+          <a:prstGeom prst="roundRect">
+            <a:avLst>
+              <a:gd name="adj" fmla="val 1674"/>
+            </a:avLst>
+          </a:prstGeom>
+          <a:solidFill>
+            <a:schemeClr val="lt1"/>
+          </a:solidFill>
+          <a:ln>
+            <a:noFill/>
+          </a:ln>
+          <a:effectLst>
+            <a:outerShdw blurRad="19050" dist="6350" dir="5400000" algn="ctr" rotWithShape="0">
+              <a:schemeClr val="dk1">
+                <a:alpha val="44705"/>
+              </a:schemeClr>
+            </a:outerShdw>
+          </a:effectLst>
+        </p:spPr>
+        <p:txBody>
+          <a:bodyPr lIns="429750" tIns="73150" rIns="45700" bIns="73150" anchor="ctr" anchorCtr="0">
+            <a:noAutofit/>
+          </a:bodyPr>
+          <a:lstStyle/>
+          <a:p>
+            <a:pPr marL="0" marR="0" lvl="0" indent="0" algn="l" rtl="0">
+              <a:lnSpc>
+                <a:spcPct val="121428"/>
+              </a:lnSpc>
+              <a:spcBef>
+                <a:spcPts val="200"/>
+              </a:spcBef>
+              <a:spcAft>
+                <a:spcPts val="0"/>
+              </a:spcAft>
+              <a:buClr>
+                <a:srgbClr val="757575"/>
+              </a:buClr>
+              <a:buSzPct val="25000"/>
+              <a:buFont typeface="Roboto"/>
+              <a:buNone/>
+            </a:pPr>
+            <a:r>
+              <a:rPr lang="en-US" sz="700" b="0" i="0" u="none" strike="noStrike" cap="none" dirty="0">
+                <a:solidFill>
+                  <a:srgbClr val="757575"/>
+                </a:solidFill>
+                <a:latin typeface="Roboto"/>
+                <a:ea typeface="Roboto"/>
+                <a:cs typeface="Roboto"/>
+                <a:sym typeface="Roboto"/>
+              </a:rPr>
+              <a:t>Persistent</a:t>
+            </a:r>
+            <a:br>
+              <a:rPr lang="en-US" sz="700" b="0" i="0" u="none" strike="noStrike" cap="none" dirty="0">
+                <a:solidFill>
+                  <a:srgbClr val="757575"/>
+                </a:solidFill>
+                <a:latin typeface="Roboto"/>
+                <a:ea typeface="Roboto"/>
+                <a:cs typeface="Roboto"/>
+                <a:sym typeface="Roboto"/>
+              </a:rPr>
+            </a:br>
+            <a:r>
+              <a:rPr lang="en-US" sz="700" b="0" i="0" u="none" strike="noStrike" cap="none" dirty="0">
+                <a:solidFill>
+                  <a:srgbClr val="757575"/>
+                </a:solidFill>
+                <a:latin typeface="Roboto"/>
+                <a:ea typeface="Roboto"/>
+                <a:cs typeface="Roboto"/>
+                <a:sym typeface="Roboto"/>
+              </a:rPr>
+              <a:t>Disk</a:t>
+            </a:r>
+          </a:p>
+        </p:txBody>
+      </p:sp>
+      <p:pic>
+        <p:nvPicPr>
+          <p:cNvPr id="62" name="Shape 1380" descr="Persistent-Disk.png">
+            <a:extLst>
+              <a:ext uri="{FF2B5EF4-FFF2-40B4-BE49-F238E27FC236}">
+                <a16:creationId xmlns:a16="http://schemas.microsoft.com/office/drawing/2014/main" id="{AF182FF6-CFA6-C948-B20C-58F1B517B9D6}"/>
+              </a:ext>
+            </a:extLst>
+          </p:cNvPr>
+          <p:cNvPicPr preferRelativeResize="0"/>
+          <p:nvPr/>
+        </p:nvPicPr>
+        <p:blipFill rotWithShape="1">
+          <a:blip r:embed="rId8">
+            <a:alphaModFix/>
+          </a:blip>
+          <a:srcRect t="5076" b="5076"/>
+          <a:stretch/>
+        </p:blipFill>
+        <p:spPr>
+          <a:xfrm>
+            <a:off x="9927177" y="3113043"/>
+            <a:ext cx="274200" cy="246600"/>
+          </a:xfrm>
+          <a:prstGeom prst="rect">
+            <a:avLst/>
+          </a:prstGeom>
+          <a:noFill/>
+          <a:ln>
+            <a:noFill/>
+          </a:ln>
+        </p:spPr>
+      </p:pic>
+      <p:cxnSp>
+        <p:nvCxnSpPr>
+          <p:cNvPr id="63" name="Shape 2448">
+            <a:extLst>
+              <a:ext uri="{FF2B5EF4-FFF2-40B4-BE49-F238E27FC236}">
+                <a16:creationId xmlns:a16="http://schemas.microsoft.com/office/drawing/2014/main" id="{BA3BD515-7653-0140-8105-132756DED8C6}"/>
+              </a:ext>
+            </a:extLst>
+          </p:cNvPr>
+          <p:cNvCxnSpPr>
+            <a:cxnSpLocks/>
+            <a:stCxn id="181" idx="3"/>
+            <a:endCxn id="61" idx="1"/>
+          </p:cNvCxnSpPr>
+          <p:nvPr/>
+        </p:nvCxnSpPr>
+        <p:spPr>
+          <a:xfrm>
+            <a:off x="9550875" y="3235929"/>
+            <a:ext cx="332034" cy="1872"/>
+          </a:xfrm>
+          <a:prstGeom prst="straightConnector1">
             <a:avLst/>
           </a:prstGeom>
           <a:noFill/>
